--- a/img/MEMBERS/mm/簡報1.pptx
+++ b/img/MEMBERS/mm/簡報1.pptx
@@ -243,7 +243,7 @@
           <a:p>
             <a:fld id="{BD8BB386-FDF9-478D-88C5-9C19DB5C6674}" type="datetimeFigureOut">
               <a:rPr lang="zh-TW" altLang="en-US" smtClean="0"/>
-              <a:t>2020/2/13</a:t>
+              <a:t>2020/2/15</a:t>
             </a:fld>
             <a:endParaRPr lang="zh-TW" altLang="en-US"/>
           </a:p>
@@ -413,7 +413,7 @@
           <a:p>
             <a:fld id="{BD8BB386-FDF9-478D-88C5-9C19DB5C6674}" type="datetimeFigureOut">
               <a:rPr lang="zh-TW" altLang="en-US" smtClean="0"/>
-              <a:t>2020/2/13</a:t>
+              <a:t>2020/2/15</a:t>
             </a:fld>
             <a:endParaRPr lang="zh-TW" altLang="en-US"/>
           </a:p>
@@ -593,7 +593,7 @@
           <a:p>
             <a:fld id="{BD8BB386-FDF9-478D-88C5-9C19DB5C6674}" type="datetimeFigureOut">
               <a:rPr lang="zh-TW" altLang="en-US" smtClean="0"/>
-              <a:t>2020/2/13</a:t>
+              <a:t>2020/2/15</a:t>
             </a:fld>
             <a:endParaRPr lang="zh-TW" altLang="en-US"/>
           </a:p>
@@ -763,7 +763,7 @@
           <a:p>
             <a:fld id="{BD8BB386-FDF9-478D-88C5-9C19DB5C6674}" type="datetimeFigureOut">
               <a:rPr lang="zh-TW" altLang="en-US" smtClean="0"/>
-              <a:t>2020/2/13</a:t>
+              <a:t>2020/2/15</a:t>
             </a:fld>
             <a:endParaRPr lang="zh-TW" altLang="en-US"/>
           </a:p>
@@ -1007,7 +1007,7 @@
           <a:p>
             <a:fld id="{BD8BB386-FDF9-478D-88C5-9C19DB5C6674}" type="datetimeFigureOut">
               <a:rPr lang="zh-TW" altLang="en-US" smtClean="0"/>
-              <a:t>2020/2/13</a:t>
+              <a:t>2020/2/15</a:t>
             </a:fld>
             <a:endParaRPr lang="zh-TW" altLang="en-US"/>
           </a:p>
@@ -1239,7 +1239,7 @@
           <a:p>
             <a:fld id="{BD8BB386-FDF9-478D-88C5-9C19DB5C6674}" type="datetimeFigureOut">
               <a:rPr lang="zh-TW" altLang="en-US" smtClean="0"/>
-              <a:t>2020/2/13</a:t>
+              <a:t>2020/2/15</a:t>
             </a:fld>
             <a:endParaRPr lang="zh-TW" altLang="en-US"/>
           </a:p>
@@ -1606,7 +1606,7 @@
           <a:p>
             <a:fld id="{BD8BB386-FDF9-478D-88C5-9C19DB5C6674}" type="datetimeFigureOut">
               <a:rPr lang="zh-TW" altLang="en-US" smtClean="0"/>
-              <a:t>2020/2/13</a:t>
+              <a:t>2020/2/15</a:t>
             </a:fld>
             <a:endParaRPr lang="zh-TW" altLang="en-US"/>
           </a:p>
@@ -1724,7 +1724,7 @@
           <a:p>
             <a:fld id="{BD8BB386-FDF9-478D-88C5-9C19DB5C6674}" type="datetimeFigureOut">
               <a:rPr lang="zh-TW" altLang="en-US" smtClean="0"/>
-              <a:t>2020/2/13</a:t>
+              <a:t>2020/2/15</a:t>
             </a:fld>
             <a:endParaRPr lang="zh-TW" altLang="en-US"/>
           </a:p>
@@ -1819,7 +1819,7 @@
           <a:p>
             <a:fld id="{BD8BB386-FDF9-478D-88C5-9C19DB5C6674}" type="datetimeFigureOut">
               <a:rPr lang="zh-TW" altLang="en-US" smtClean="0"/>
-              <a:t>2020/2/13</a:t>
+              <a:t>2020/2/15</a:t>
             </a:fld>
             <a:endParaRPr lang="zh-TW" altLang="en-US"/>
           </a:p>
@@ -2096,7 +2096,7 @@
           <a:p>
             <a:fld id="{BD8BB386-FDF9-478D-88C5-9C19DB5C6674}" type="datetimeFigureOut">
               <a:rPr lang="zh-TW" altLang="en-US" smtClean="0"/>
-              <a:t>2020/2/13</a:t>
+              <a:t>2020/2/15</a:t>
             </a:fld>
             <a:endParaRPr lang="zh-TW" altLang="en-US"/>
           </a:p>
@@ -2353,7 +2353,7 @@
           <a:p>
             <a:fld id="{BD8BB386-FDF9-478D-88C5-9C19DB5C6674}" type="datetimeFigureOut">
               <a:rPr lang="zh-TW" altLang="en-US" smtClean="0"/>
-              <a:t>2020/2/13</a:t>
+              <a:t>2020/2/15</a:t>
             </a:fld>
             <a:endParaRPr lang="zh-TW" altLang="en-US"/>
           </a:p>
@@ -2566,7 +2566,7 @@
           <a:p>
             <a:fld id="{BD8BB386-FDF9-478D-88C5-9C19DB5C6674}" type="datetimeFigureOut">
               <a:rPr lang="zh-TW" altLang="en-US" smtClean="0"/>
-              <a:t>2020/2/13</a:t>
+              <a:t>2020/2/15</a:t>
             </a:fld>
             <a:endParaRPr lang="zh-TW" altLang="en-US"/>
           </a:p>
@@ -3011,27 +3011,28 @@
       </p:sp>
       <p:pic>
         <p:nvPicPr>
-          <p:cNvPr id="14" name="圖片 13"/>
+          <p:cNvPr id="4" name="圖片 3"/>
           <p:cNvPicPr>
             <a:picLocks noChangeAspect="1"/>
           </p:cNvPicPr>
           <p:nvPr/>
         </p:nvPicPr>
-        <p:blipFill rotWithShape="1">
-          <a:blip r:embed="rId2">
+        <p:blipFill>
+          <a:blip r:embed="rId2" cstate="print">
             <a:extLst>
               <a:ext uri="{28A0092B-C50C-407E-A947-70E740481C1C}">
                 <a14:useLocalDpi xmlns:a14="http://schemas.microsoft.com/office/drawing/2010/main" val="0"/>
               </a:ext>
             </a:extLst>
           </a:blip>
-          <a:srcRect l="27261" t="41547" r="26999" b="12844"/>
-          <a:stretch/>
+          <a:stretch>
+            <a:fillRect/>
+          </a:stretch>
         </p:blipFill>
         <p:spPr>
           <a:xfrm>
-            <a:off x="-827314" y="-607854"/>
-            <a:ext cx="6502400" cy="6483767"/>
+            <a:off x="1" y="0"/>
+            <a:ext cx="5040312" cy="6702253"/>
           </a:xfrm>
           <a:prstGeom prst="rect">
             <a:avLst/>

--- a/img/MEMBERS/mm/簡報1.pptx
+++ b/img/MEMBERS/mm/簡報1.pptx
@@ -243,7 +243,7 @@
           <a:p>
             <a:fld id="{BD8BB386-FDF9-478D-88C5-9C19DB5C6674}" type="datetimeFigureOut">
               <a:rPr lang="zh-TW" altLang="en-US" smtClean="0"/>
-              <a:t>2020/2/15</a:t>
+              <a:t>2020/2/24</a:t>
             </a:fld>
             <a:endParaRPr lang="zh-TW" altLang="en-US"/>
           </a:p>
@@ -413,7 +413,7 @@
           <a:p>
             <a:fld id="{BD8BB386-FDF9-478D-88C5-9C19DB5C6674}" type="datetimeFigureOut">
               <a:rPr lang="zh-TW" altLang="en-US" smtClean="0"/>
-              <a:t>2020/2/15</a:t>
+              <a:t>2020/2/24</a:t>
             </a:fld>
             <a:endParaRPr lang="zh-TW" altLang="en-US"/>
           </a:p>
@@ -593,7 +593,7 @@
           <a:p>
             <a:fld id="{BD8BB386-FDF9-478D-88C5-9C19DB5C6674}" type="datetimeFigureOut">
               <a:rPr lang="zh-TW" altLang="en-US" smtClean="0"/>
-              <a:t>2020/2/15</a:t>
+              <a:t>2020/2/24</a:t>
             </a:fld>
             <a:endParaRPr lang="zh-TW" altLang="en-US"/>
           </a:p>
@@ -763,7 +763,7 @@
           <a:p>
             <a:fld id="{BD8BB386-FDF9-478D-88C5-9C19DB5C6674}" type="datetimeFigureOut">
               <a:rPr lang="zh-TW" altLang="en-US" smtClean="0"/>
-              <a:t>2020/2/15</a:t>
+              <a:t>2020/2/24</a:t>
             </a:fld>
             <a:endParaRPr lang="zh-TW" altLang="en-US"/>
           </a:p>
@@ -1007,7 +1007,7 @@
           <a:p>
             <a:fld id="{BD8BB386-FDF9-478D-88C5-9C19DB5C6674}" type="datetimeFigureOut">
               <a:rPr lang="zh-TW" altLang="en-US" smtClean="0"/>
-              <a:t>2020/2/15</a:t>
+              <a:t>2020/2/24</a:t>
             </a:fld>
             <a:endParaRPr lang="zh-TW" altLang="en-US"/>
           </a:p>
@@ -1239,7 +1239,7 @@
           <a:p>
             <a:fld id="{BD8BB386-FDF9-478D-88C5-9C19DB5C6674}" type="datetimeFigureOut">
               <a:rPr lang="zh-TW" altLang="en-US" smtClean="0"/>
-              <a:t>2020/2/15</a:t>
+              <a:t>2020/2/24</a:t>
             </a:fld>
             <a:endParaRPr lang="zh-TW" altLang="en-US"/>
           </a:p>
@@ -1606,7 +1606,7 @@
           <a:p>
             <a:fld id="{BD8BB386-FDF9-478D-88C5-9C19DB5C6674}" type="datetimeFigureOut">
               <a:rPr lang="zh-TW" altLang="en-US" smtClean="0"/>
-              <a:t>2020/2/15</a:t>
+              <a:t>2020/2/24</a:t>
             </a:fld>
             <a:endParaRPr lang="zh-TW" altLang="en-US"/>
           </a:p>
@@ -1724,7 +1724,7 @@
           <a:p>
             <a:fld id="{BD8BB386-FDF9-478D-88C5-9C19DB5C6674}" type="datetimeFigureOut">
               <a:rPr lang="zh-TW" altLang="en-US" smtClean="0"/>
-              <a:t>2020/2/15</a:t>
+              <a:t>2020/2/24</a:t>
             </a:fld>
             <a:endParaRPr lang="zh-TW" altLang="en-US"/>
           </a:p>
@@ -1819,7 +1819,7 @@
           <a:p>
             <a:fld id="{BD8BB386-FDF9-478D-88C5-9C19DB5C6674}" type="datetimeFigureOut">
               <a:rPr lang="zh-TW" altLang="en-US" smtClean="0"/>
-              <a:t>2020/2/15</a:t>
+              <a:t>2020/2/24</a:t>
             </a:fld>
             <a:endParaRPr lang="zh-TW" altLang="en-US"/>
           </a:p>
@@ -2096,7 +2096,7 @@
           <a:p>
             <a:fld id="{BD8BB386-FDF9-478D-88C5-9C19DB5C6674}" type="datetimeFigureOut">
               <a:rPr lang="zh-TW" altLang="en-US" smtClean="0"/>
-              <a:t>2020/2/15</a:t>
+              <a:t>2020/2/24</a:t>
             </a:fld>
             <a:endParaRPr lang="zh-TW" altLang="en-US"/>
           </a:p>
@@ -2353,7 +2353,7 @@
           <a:p>
             <a:fld id="{BD8BB386-FDF9-478D-88C5-9C19DB5C6674}" type="datetimeFigureOut">
               <a:rPr lang="zh-TW" altLang="en-US" smtClean="0"/>
-              <a:t>2020/2/15</a:t>
+              <a:t>2020/2/24</a:t>
             </a:fld>
             <a:endParaRPr lang="zh-TW" altLang="en-US"/>
           </a:p>
@@ -2566,7 +2566,7 @@
           <a:p>
             <a:fld id="{BD8BB386-FDF9-478D-88C5-9C19DB5C6674}" type="datetimeFigureOut">
               <a:rPr lang="zh-TW" altLang="en-US" smtClean="0"/>
-              <a:t>2020/2/15</a:t>
+              <a:t>2020/2/24</a:t>
             </a:fld>
             <a:endParaRPr lang="zh-TW" altLang="en-US"/>
           </a:p>
@@ -3011,13 +3011,13 @@
       </p:sp>
       <p:pic>
         <p:nvPicPr>
-          <p:cNvPr id="4" name="圖片 3"/>
+          <p:cNvPr id="5" name="圖片 4"/>
           <p:cNvPicPr>
             <a:picLocks noChangeAspect="1"/>
           </p:cNvPicPr>
           <p:nvPr/>
         </p:nvPicPr>
-        <p:blipFill>
+        <p:blipFill rotWithShape="1">
           <a:blip r:embed="rId2" cstate="print">
             <a:extLst>
               <a:ext uri="{28A0092B-C50C-407E-A947-70E740481C1C}">
@@ -3025,18 +3025,18 @@
               </a:ext>
             </a:extLst>
           </a:blip>
-          <a:stretch>
-            <a:fillRect/>
-          </a:stretch>
+          <a:srcRect t="31133" b="16525"/>
+          <a:stretch/>
         </p:blipFill>
         <p:spPr>
           <a:xfrm>
-            <a:off x="1" y="0"/>
-            <a:ext cx="5040312" cy="6702253"/>
+            <a:off x="-3439886" y="-1054605"/>
+            <a:ext cx="9260114" cy="7904110"/>
           </a:xfrm>
           <a:prstGeom prst="rect">
             <a:avLst/>
           </a:prstGeom>
+          <a:effectLst/>
         </p:spPr>
       </p:pic>
     </p:spTree>
